--- a/ppa_2302_k1/实验设计/实验手册_助手版.pptx
+++ b/ppa_2302_k1/实验设计/实验手册_助手版.pptx
@@ -118,7 +118,7 @@
             <a:srgbClr val="A4A3A4"/>
           </p15:clr>
         </p15:guide>
-        <p15:guide id="2" pos="3824" userDrawn="1">
+        <p15:guide id="2" pos="3838" userDrawn="1">
           <p15:clr>
             <a:srgbClr val="A4A3A4"/>
           </p15:clr>
